--- a/Assignment_4/Assignment 4.pptx
+++ b/Assignment_4/Assignment 4.pptx
@@ -8638,248 +8638,61 @@
           </a:p>
         </p:txBody>
       </p:sp>
-      <mc:AlternateContent xmlns:mc="http://schemas.openxmlformats.org/markup-compatibility/2006">
-        <mc:Choice xmlns:a14="http://schemas.microsoft.com/office/drawing/2010/main" Requires="a14">
-          <p:sp>
-            <p:nvSpPr>
-              <p:cNvPr id="3" name="Segnaposto contenuto 2">
-                <a:extLst>
-                  <a:ext uri="{FF2B5EF4-FFF2-40B4-BE49-F238E27FC236}">
-                    <a16:creationId xmlns:a16="http://schemas.microsoft.com/office/drawing/2014/main" id="{79EBF472-D7E6-4E53-AF5F-E30AC98BA771}"/>
-                  </a:ext>
-                </a:extLst>
-              </p:cNvPr>
-              <p:cNvSpPr>
-                <a:spLocks noGrp="1"/>
-              </p:cNvSpPr>
-              <p:nvPr>
-                <p:ph idx="1"/>
-              </p:nvPr>
-            </p:nvSpPr>
-            <p:spPr/>
-            <p:txBody>
-              <a:bodyPr/>
-              <a:lstStyle/>
-              <a:p>
-                <a:r>
-                  <a:rPr lang="it-IT" dirty="0"/>
-                  <a:t>Dai grafici si può notare che, esaurito il transitorio, il comportamento del modello coincide con quello del modello, perciò la prerogativa dell’MRAC è soddisfatta</a:t>
-                </a:r>
-              </a:p>
-              <a:p>
-                <a:r>
-                  <a:rPr lang="it-IT" dirty="0"/>
-                  <a:t>Nel caso con disturbo, la convergenza è leggermente approssimata (è presente un piccolo errore)</a:t>
-                </a:r>
-              </a:p>
-              <a:p>
-                <a:r>
-                  <a:rPr lang="it-IT" dirty="0"/>
-                  <a:t>Nel caso con a tempo-variante, il comportamento del sistema a ciclo chiuso è migliore in generale con </a:t>
-                </a:r>
-                <a14:m>
-                  <m:oMath xmlns:m="http://schemas.openxmlformats.org/officeDocument/2006/math">
-                    <m:r>
-                      <a:rPr lang="it-IT" b="0" i="1" smtClean="0">
-                        <a:latin typeface="Cambria Math" panose="02040503050406030204" pitchFamily="18" charset="0"/>
-                      </a:rPr>
-                      <m:t>𝑎</m:t>
-                    </m:r>
-                    <m:r>
-                      <a:rPr lang="it-IT" b="0" i="1" smtClean="0">
-                        <a:latin typeface="Cambria Math" panose="02040503050406030204" pitchFamily="18" charset="0"/>
-                      </a:rPr>
-                      <m:t>=1+</m:t>
-                    </m:r>
-                    <m:f>
-                      <m:fPr>
-                        <m:ctrlPr>
-                          <a:rPr lang="it-IT" b="0" i="1" smtClean="0">
-                            <a:latin typeface="Cambria Math" panose="02040503050406030204" pitchFamily="18" charset="0"/>
-                          </a:rPr>
-                        </m:ctrlPr>
-                      </m:fPr>
-                      <m:num>
-                        <m:r>
-                          <a:rPr lang="it-IT" b="0" i="1" smtClean="0">
-                            <a:latin typeface="Cambria Math" panose="02040503050406030204" pitchFamily="18" charset="0"/>
-                          </a:rPr>
-                          <m:t>1</m:t>
-                        </m:r>
-                      </m:num>
-                      <m:den>
-                        <m:r>
-                          <a:rPr lang="it-IT" b="0" i="1" smtClean="0">
-                            <a:latin typeface="Cambria Math" panose="02040503050406030204" pitchFamily="18" charset="0"/>
-                          </a:rPr>
-                          <m:t>10</m:t>
-                        </m:r>
-                      </m:den>
-                    </m:f>
-                    <m:func>
-                      <m:funcPr>
-                        <m:ctrlPr>
-                          <a:rPr lang="it-IT" b="0" i="1" smtClean="0">
-                            <a:latin typeface="Cambria Math" panose="02040503050406030204" pitchFamily="18" charset="0"/>
-                          </a:rPr>
-                        </m:ctrlPr>
-                      </m:funcPr>
-                      <m:fName>
-                        <m:r>
-                          <m:rPr>
-                            <m:sty m:val="p"/>
-                          </m:rPr>
-                          <a:rPr lang="it-IT" b="0" i="0" smtClean="0">
-                            <a:latin typeface="Cambria Math" panose="02040503050406030204" pitchFamily="18" charset="0"/>
-                          </a:rPr>
-                          <m:t>sin</m:t>
-                        </m:r>
-                      </m:fName>
-                      <m:e>
-                        <m:d>
-                          <m:dPr>
-                            <m:ctrlPr>
-                              <a:rPr lang="it-IT" b="0" i="1" smtClean="0">
-                                <a:latin typeface="Cambria Math" panose="02040503050406030204" pitchFamily="18" charset="0"/>
-                              </a:rPr>
-                            </m:ctrlPr>
-                          </m:dPr>
-                          <m:e>
-                            <m:r>
-                              <a:rPr lang="it-IT" b="0" i="1" smtClean="0">
-                                <a:latin typeface="Cambria Math" panose="02040503050406030204" pitchFamily="18" charset="0"/>
-                              </a:rPr>
-                              <m:t>10</m:t>
-                            </m:r>
-                            <m:r>
-                              <a:rPr lang="it-IT" b="0" i="1" smtClean="0">
-                                <a:latin typeface="Cambria Math" panose="02040503050406030204" pitchFamily="18" charset="0"/>
-                              </a:rPr>
-                              <m:t>𝑡</m:t>
-                            </m:r>
-                          </m:e>
-                        </m:d>
-                      </m:e>
-                    </m:func>
-                  </m:oMath>
-                </a14:m>
-                <a:endParaRPr lang="it-IT" b="0" dirty="0"/>
-              </a:p>
-              <a:p>
-                <a:r>
-                  <a:rPr lang="it-IT" dirty="0"/>
-                  <a:t>Nel caso con </a:t>
-                </a:r>
-                <a14:m>
-                  <m:oMath xmlns:m="http://schemas.openxmlformats.org/officeDocument/2006/math">
-                    <m:r>
-                      <a:rPr lang="it-IT" b="0" i="1" smtClean="0">
-                        <a:latin typeface="Cambria Math" panose="02040503050406030204" pitchFamily="18" charset="0"/>
-                      </a:rPr>
-                      <m:t>𝑎</m:t>
-                    </m:r>
-                    <m:r>
-                      <a:rPr lang="it-IT" b="0" i="1" smtClean="0">
-                        <a:latin typeface="Cambria Math" panose="02040503050406030204" pitchFamily="18" charset="0"/>
-                      </a:rPr>
-                      <m:t>=1</m:t>
-                    </m:r>
-                    <m:r>
-                      <a:rPr lang="it-IT" b="0" i="0" smtClean="0">
-                        <a:latin typeface="Cambria Math" panose="02040503050406030204" pitchFamily="18" charset="0"/>
-                      </a:rPr>
-                      <m:t>+10</m:t>
-                    </m:r>
-                    <m:r>
-                      <m:rPr>
-                        <m:sty m:val="p"/>
-                      </m:rPr>
-                      <a:rPr lang="it-IT" b="0" i="0" smtClean="0">
-                        <a:latin typeface="Cambria Math" panose="02040503050406030204" pitchFamily="18" charset="0"/>
-                      </a:rPr>
-                      <m:t>sin</m:t>
-                    </m:r>
-                    <m:r>
-                      <a:rPr lang="it-IT" b="0" i="1" smtClean="0">
-                        <a:latin typeface="Cambria Math" panose="02040503050406030204" pitchFamily="18" charset="0"/>
-                      </a:rPr>
-                      <m:t>⁡(</m:t>
-                    </m:r>
-                    <m:f>
-                      <m:fPr>
-                        <m:ctrlPr>
-                          <a:rPr lang="it-IT" b="0" i="1" smtClean="0">
-                            <a:latin typeface="Cambria Math" panose="02040503050406030204" pitchFamily="18" charset="0"/>
-                          </a:rPr>
-                        </m:ctrlPr>
-                      </m:fPr>
-                      <m:num>
-                        <m:r>
-                          <a:rPr lang="it-IT" b="0" i="1" smtClean="0">
-                            <a:latin typeface="Cambria Math" panose="02040503050406030204" pitchFamily="18" charset="0"/>
-                          </a:rPr>
-                          <m:t>𝑡</m:t>
-                        </m:r>
-                      </m:num>
-                      <m:den>
-                        <m:r>
-                          <a:rPr lang="it-IT" b="0" i="1" smtClean="0">
-                            <a:latin typeface="Cambria Math" panose="02040503050406030204" pitchFamily="18" charset="0"/>
-                          </a:rPr>
-                          <m:t>10</m:t>
-                        </m:r>
-                      </m:den>
-                    </m:f>
-                  </m:oMath>
-                </a14:m>
-                <a:r>
-                  <a:rPr lang="it-IT" dirty="0"/>
-                  <a:t>) il comportamento migliore è con I&amp;I</a:t>
-                </a:r>
-              </a:p>
-            </p:txBody>
-          </p:sp>
-        </mc:Choice>
-        <mc:Fallback>
-          <p:sp>
-            <p:nvSpPr>
-              <p:cNvPr id="3" name="Segnaposto contenuto 2">
-                <a:extLst>
-                  <a:ext uri="{FF2B5EF4-FFF2-40B4-BE49-F238E27FC236}">
-                    <a16:creationId xmlns:a16="http://schemas.microsoft.com/office/drawing/2014/main" id="{79EBF472-D7E6-4E53-AF5F-E30AC98BA771}"/>
-                  </a:ext>
-                </a:extLst>
-              </p:cNvPr>
-              <p:cNvSpPr>
-                <a:spLocks noGrp="1" noRot="1" noChangeAspect="1" noMove="1" noResize="1" noEditPoints="1" noAdjustHandles="1" noChangeArrowheads="1" noChangeShapeType="1" noTextEdit="1"/>
-              </p:cNvSpPr>
-              <p:nvPr>
-                <p:ph idx="1"/>
-              </p:nvPr>
-            </p:nvSpPr>
-            <p:spPr>
-              <a:blipFill>
-                <a:blip r:embed="rId2"/>
-                <a:stretch>
-                  <a:fillRect l="-479" t="-806" r="-547"/>
-                </a:stretch>
-              </a:blipFill>
-            </p:spPr>
-            <p:txBody>
-              <a:bodyPr/>
-              <a:lstStyle/>
-              <a:p>
-                <a:r>
-                  <a:rPr lang="it-IT">
-                    <a:noFill/>
-                  </a:rPr>
-                  <a:t> </a:t>
-                </a:r>
-              </a:p>
-            </p:txBody>
-          </p:sp>
-        </mc:Fallback>
-      </mc:AlternateContent>
+      <p:sp>
+        <p:nvSpPr>
+          <p:cNvPr id="3" name="Segnaposto contenuto 2">
+            <a:extLst>
+              <a:ext uri="{FF2B5EF4-FFF2-40B4-BE49-F238E27FC236}">
+                <a16:creationId xmlns:a16="http://schemas.microsoft.com/office/drawing/2014/main" id="{79EBF472-D7E6-4E53-AF5F-E30AC98BA771}"/>
+              </a:ext>
+            </a:extLst>
+          </p:cNvPr>
+          <p:cNvSpPr>
+            <a:spLocks noGrp="1"/>
+          </p:cNvSpPr>
+          <p:nvPr>
+            <p:ph idx="1"/>
+          </p:nvPr>
+        </p:nvSpPr>
+        <p:spPr/>
+        <p:txBody>
+          <a:bodyPr/>
+          <a:lstStyle/>
+          <a:p>
+            <a:r>
+              <a:rPr lang="it-IT" dirty="0"/>
+              <a:t>Dai grafici si può notare che, esaurito il transitorio, il comportamento del modello coincide con quello del modello, perciò la prerogativa dell’MRAC è soddisfatta</a:t>
+            </a:r>
+          </a:p>
+          <a:p>
+            <a:r>
+              <a:rPr lang="it-IT" dirty="0"/>
+              <a:t>Nel caso con disturbo, la convergenza è leggermente approssimata (è presente un piccolo errore)</a:t>
+            </a:r>
+          </a:p>
+          <a:p>
+            <a:r>
+              <a:rPr lang="it-IT" dirty="0"/>
+              <a:t>Nel caso con a tempo-variante, il comportamento del sistema a ciclo chiuso è migliore in generale con piccole variazioni </a:t>
+            </a:r>
+            <a:endParaRPr lang="it-IT" b="0" dirty="0"/>
+          </a:p>
+          <a:p>
+            <a:r>
+              <a:rPr lang="it-IT" dirty="0"/>
+              <a:t>Nel caso con variazioni più ampie </a:t>
+            </a:r>
+            <a:r>
+              <a:rPr lang="it-IT"/>
+              <a:t>di a il </a:t>
+            </a:r>
+            <a:r>
+              <a:rPr lang="it-IT" dirty="0"/>
+              <a:t>comportamento migliore è con I&amp;I</a:t>
+            </a:r>
+          </a:p>
+        </p:txBody>
+      </p:sp>
     </p:spTree>
     <p:extLst>
       <p:ext uri="{BB962C8B-B14F-4D97-AF65-F5344CB8AC3E}">
@@ -9341,15 +9154,7 @@
           <a:p>
             <a:r>
               <a:rPr lang="it-IT" dirty="0"/>
-              <a:t> è il controllore, non implementabile, che ci permetterebbe di raggiungere l’</a:t>
-            </a:r>
-            <a:r>
-              <a:rPr lang="it-IT" dirty="0" err="1"/>
-              <a:t>biettivo</a:t>
-            </a:r>
-            <a:r>
-              <a:rPr lang="it-IT" dirty="0"/>
-              <a:t>, perciò sostituiamo k con una sua stima</a:t>
+              <a:t> è il controllore, non implementabile, che ci permetterebbe di raggiungere l’obiettivo, perciò sostituiamo k con una sua stima</a:t>
             </a:r>
           </a:p>
         </p:txBody>
@@ -9868,13 +9673,13 @@
         </p:nvPicPr>
         <p:blipFill rotWithShape="1">
           <a:blip r:embed="rId4"/>
-          <a:srcRect/>
+          <a:srcRect b="13714"/>
           <a:stretch/>
         </p:blipFill>
         <p:spPr>
           <a:xfrm>
-            <a:off x="4679662" y="3404705"/>
-            <a:ext cx="2057578" cy="579170"/>
+            <a:off x="4551320" y="3403909"/>
+            <a:ext cx="2057578" cy="499737"/>
           </a:xfrm>
           <a:prstGeom prst="rect">
             <a:avLst/>
@@ -10526,8 +10331,8 @@
           <a:chExt cx="0" cy="0"/>
         </a:xfrm>
       </p:grpSpPr>
-      <mc:AlternateContent xmlns:mc="http://schemas.openxmlformats.org/markup-compatibility/2006">
-        <mc:Choice xmlns:a14="http://schemas.microsoft.com/office/drawing/2010/main" Requires="a14">
+      <mc:AlternateContent xmlns:mc="http://schemas.openxmlformats.org/markup-compatibility/2006" xmlns:a14="http://schemas.microsoft.com/office/drawing/2010/main">
+        <mc:Choice Requires="a14">
           <p:sp>
             <p:nvSpPr>
               <p:cNvPr id="2" name="Titolo 1">
@@ -10649,7 +10454,7 @@
             </p:txBody>
           </p:sp>
         </mc:Choice>
-        <mc:Fallback>
+        <mc:Fallback xmlns="">
           <p:sp>
             <p:nvSpPr>
               <p:cNvPr id="2" name="Titolo 1">
@@ -11012,8 +10817,8 @@
           <a:chExt cx="0" cy="0"/>
         </a:xfrm>
       </p:grpSpPr>
-      <mc:AlternateContent xmlns:mc="http://schemas.openxmlformats.org/markup-compatibility/2006">
-        <mc:Choice xmlns:a14="http://schemas.microsoft.com/office/drawing/2010/main" Requires="a14">
+      <mc:AlternateContent xmlns:mc="http://schemas.openxmlformats.org/markup-compatibility/2006" xmlns:a14="http://schemas.microsoft.com/office/drawing/2010/main">
+        <mc:Choice Requires="a14">
           <p:sp>
             <p:nvSpPr>
               <p:cNvPr id="2" name="Titolo 1">
@@ -11111,7 +10916,7 @@
             </p:txBody>
           </p:sp>
         </mc:Choice>
-        <mc:Fallback>
+        <mc:Fallback xmlns="">
           <p:sp>
             <p:nvSpPr>
               <p:cNvPr id="2" name="Titolo 1">
